--- a/FYP_ppt_v1.pptx
+++ b/FYP_ppt_v1.pptx
@@ -7695,12 +7695,43 @@
           <a:chExt cx="0" cy="0"/>
         </a:xfrm>
       </p:grpSpPr>
-      <p:sp>
-        <p:nvSpPr>
-          <p:cNvPr id="25" name="Oval 24">
-            <a:extLst>
-              <a:ext uri="{FF2B5EF4-FFF2-40B4-BE49-F238E27FC236}">
-                <a16:creationId xmlns:a16="http://schemas.microsoft.com/office/drawing/2014/main" id="{8C5A5150-D6BE-40B5-88D4-A9C501BA3014}"/>
+      <p:pic>
+        <p:nvPicPr>
+          <p:cNvPr id="5" name="Picture Placeholder 4" descr="A blue and white background&#10;&#10;Description automatically generated">
+            <a:extLst>
+              <a:ext uri="{FF2B5EF4-FFF2-40B4-BE49-F238E27FC236}">
+                <a16:creationId xmlns:a16="http://schemas.microsoft.com/office/drawing/2014/main" id="{28BC8E0D-6614-90AB-FFC4-88B3C38A2B69}"/>
+              </a:ext>
+            </a:extLst>
+          </p:cNvPr>
+          <p:cNvPicPr>
+            <a:picLocks noGrp="1" noChangeAspect="1"/>
+          </p:cNvPicPr>
+          <p:nvPr>
+            <p:ph type="pic" sz="quarter" idx="32"/>
+          </p:nvPr>
+        </p:nvPicPr>
+        <p:blipFill>
+          <a:blip r:embed="rId3">
+            <a:extLst>
+              <a:ext uri="{28A0092B-C50C-407E-A947-70E740481C1C}">
+                <a14:useLocalDpi xmlns:a14="http://schemas.microsoft.com/office/drawing/2010/main" val="0"/>
+              </a:ext>
+            </a:extLst>
+          </a:blip>
+          <a:srcRect t="7813" b="7813"/>
+          <a:stretch>
+            <a:fillRect/>
+          </a:stretch>
+        </p:blipFill>
+        <p:spPr/>
+      </p:pic>
+      <p:sp>
+        <p:nvSpPr>
+          <p:cNvPr id="26" name="Oval 25">
+            <a:extLst>
+              <a:ext uri="{FF2B5EF4-FFF2-40B4-BE49-F238E27FC236}">
+                <a16:creationId xmlns:a16="http://schemas.microsoft.com/office/drawing/2014/main" id="{E0AC2FED-ECB2-4564-87F7-BE2C2AFA9E03}"/>
               </a:ext>
             </a:extLst>
           </p:cNvPr>
@@ -7708,9 +7739,9 @@
           <p:nvPr/>
         </p:nvSpPr>
         <p:spPr>
-          <a:xfrm rot="4395735">
-            <a:off x="-673191" y="12986921"/>
-            <a:ext cx="2365987" cy="2365987"/>
+          <a:xfrm rot="10800000">
+            <a:off x="-1668708" y="8898085"/>
+            <a:ext cx="432815" cy="432815"/>
           </a:xfrm>
           <a:prstGeom prst="ellipse">
             <a:avLst/>
@@ -7746,55 +7777,6 @@
       </p:sp>
       <p:sp>
         <p:nvSpPr>
-          <p:cNvPr id="26" name="Oval 25">
-            <a:extLst>
-              <a:ext uri="{FF2B5EF4-FFF2-40B4-BE49-F238E27FC236}">
-                <a16:creationId xmlns:a16="http://schemas.microsoft.com/office/drawing/2014/main" id="{E0AC2FED-ECB2-4564-87F7-BE2C2AFA9E03}"/>
-              </a:ext>
-            </a:extLst>
-          </p:cNvPr>
-          <p:cNvSpPr/>
-          <p:nvPr/>
-        </p:nvSpPr>
-        <p:spPr>
-          <a:xfrm rot="10800000">
-            <a:off x="-1668708" y="8898085"/>
-            <a:ext cx="432815" cy="432815"/>
-          </a:xfrm>
-          <a:prstGeom prst="ellipse">
-            <a:avLst/>
-          </a:prstGeom>
-          <a:ln>
-            <a:noFill/>
-          </a:ln>
-        </p:spPr>
-        <p:style>
-          <a:lnRef idx="2">
-            <a:schemeClr val="accent1">
-              <a:shade val="50000"/>
-            </a:schemeClr>
-          </a:lnRef>
-          <a:fillRef idx="1">
-            <a:schemeClr val="accent1"/>
-          </a:fillRef>
-          <a:effectRef idx="0">
-            <a:schemeClr val="accent1"/>
-          </a:effectRef>
-          <a:fontRef idx="minor">
-            <a:schemeClr val="lt1"/>
-          </a:fontRef>
-        </p:style>
-        <p:txBody>
-          <a:bodyPr rtlCol="0" anchor="ctr"/>
-          <a:lstStyle/>
-          <a:p>
-            <a:pPr algn="ctr"/>
-            <a:endParaRPr lang="en-PK"/>
-          </a:p>
-        </p:txBody>
-      </p:sp>
-      <p:sp>
-        <p:nvSpPr>
           <p:cNvPr id="27" name="Oval 26">
             <a:extLst>
               <a:ext uri="{FF2B5EF4-FFF2-40B4-BE49-F238E27FC236}">
@@ -7809,104 +7791,6 @@
           <a:xfrm rot="4395735">
             <a:off x="13789186" y="14424841"/>
             <a:ext cx="533617" cy="533617"/>
-          </a:xfrm>
-          <a:prstGeom prst="ellipse">
-            <a:avLst/>
-          </a:prstGeom>
-          <a:ln>
-            <a:noFill/>
-          </a:ln>
-        </p:spPr>
-        <p:style>
-          <a:lnRef idx="2">
-            <a:schemeClr val="accent1">
-              <a:shade val="50000"/>
-            </a:schemeClr>
-          </a:lnRef>
-          <a:fillRef idx="1">
-            <a:schemeClr val="accent1"/>
-          </a:fillRef>
-          <a:effectRef idx="0">
-            <a:schemeClr val="accent1"/>
-          </a:effectRef>
-          <a:fontRef idx="minor">
-            <a:schemeClr val="lt1"/>
-          </a:fontRef>
-        </p:style>
-        <p:txBody>
-          <a:bodyPr rtlCol="0" anchor="ctr"/>
-          <a:lstStyle/>
-          <a:p>
-            <a:pPr algn="ctr"/>
-            <a:endParaRPr lang="en-PK"/>
-          </a:p>
-        </p:txBody>
-      </p:sp>
-      <p:sp>
-        <p:nvSpPr>
-          <p:cNvPr id="28" name="Oval 27">
-            <a:extLst>
-              <a:ext uri="{FF2B5EF4-FFF2-40B4-BE49-F238E27FC236}">
-                <a16:creationId xmlns:a16="http://schemas.microsoft.com/office/drawing/2014/main" id="{3F69D604-1C6B-428E-A198-734623335481}"/>
-              </a:ext>
-            </a:extLst>
-          </p:cNvPr>
-          <p:cNvSpPr/>
-          <p:nvPr/>
-        </p:nvSpPr>
-        <p:spPr>
-          <a:xfrm rot="4395735">
-            <a:off x="19588771" y="4614028"/>
-            <a:ext cx="3337416" cy="3337416"/>
-          </a:xfrm>
-          <a:prstGeom prst="ellipse">
-            <a:avLst/>
-          </a:prstGeom>
-          <a:ln>
-            <a:noFill/>
-          </a:ln>
-        </p:spPr>
-        <p:style>
-          <a:lnRef idx="2">
-            <a:schemeClr val="accent1">
-              <a:shade val="50000"/>
-            </a:schemeClr>
-          </a:lnRef>
-          <a:fillRef idx="1">
-            <a:schemeClr val="accent1"/>
-          </a:fillRef>
-          <a:effectRef idx="0">
-            <a:schemeClr val="accent1"/>
-          </a:effectRef>
-          <a:fontRef idx="minor">
-            <a:schemeClr val="lt1"/>
-          </a:fontRef>
-        </p:style>
-        <p:txBody>
-          <a:bodyPr rtlCol="0" anchor="ctr"/>
-          <a:lstStyle/>
-          <a:p>
-            <a:pPr algn="ctr"/>
-            <a:endParaRPr lang="en-PK"/>
-          </a:p>
-        </p:txBody>
-      </p:sp>
-      <p:sp>
-        <p:nvSpPr>
-          <p:cNvPr id="29" name="Oval 28">
-            <a:extLst>
-              <a:ext uri="{FF2B5EF4-FFF2-40B4-BE49-F238E27FC236}">
-                <a16:creationId xmlns:a16="http://schemas.microsoft.com/office/drawing/2014/main" id="{A13395CF-C289-4773-8718-1A61CCBA6EE0}"/>
-              </a:ext>
-            </a:extLst>
-          </p:cNvPr>
-          <p:cNvSpPr/>
-          <p:nvPr/>
-        </p:nvSpPr>
-        <p:spPr>
-          <a:xfrm rot="4395735">
-            <a:off x="7953269" y="7985108"/>
-            <a:ext cx="1401425" cy="1401425"/>
           </a:xfrm>
           <a:prstGeom prst="ellipse">
             <a:avLst/>
@@ -7997,11 +7881,11 @@
           </a:lstStyle>
           <a:p>
             <a:pPr algn="l"/>
-            <a:r>
-              <a:rPr lang="en-US" sz="11500" dirty="0"/>
-              <a:t>Regenerative Braking System</a:t>
-            </a:r>
-            <a:endParaRPr lang="en" sz="16600" dirty="0"/>
+            <a:endParaRPr lang="en" sz="16600" dirty="0">
+              <a:solidFill>
+                <a:schemeClr val="tx1"/>
+              </a:solidFill>
+            </a:endParaRPr>
           </a:p>
         </p:txBody>
       </p:sp>
@@ -8037,54 +7921,6 @@
           </a:p>
         </p:txBody>
       </p:sp>
-      <p:pic>
-        <p:nvPicPr>
-          <p:cNvPr id="1026" name="Picture 2" descr="https://miro.medium.com/v2/resize:fit:700/1*xsir-fypCq_LrbK5jjyN9w.jpeg"/>
-          <p:cNvPicPr>
-            <a:picLocks noGrp="1" noChangeAspect="1" noChangeArrowheads="1"/>
-          </p:cNvPicPr>
-          <p:nvPr>
-            <p:ph type="pic" sz="quarter" idx="32"/>
-          </p:nvPr>
-        </p:nvPicPr>
-        <p:blipFill>
-          <a:blip r:embed="rId3">
-            <a:extLst>
-              <a:ext uri="{BEBA8EAE-BF5A-486C-A8C5-ECC9F3942E4B}">
-                <a14:imgProps xmlns:a14="http://schemas.microsoft.com/office/drawing/2010/main">
-                  <a14:imgLayer r:embed="rId4">
-                    <a14:imgEffect>
-                      <a14:brightnessContrast bright="-40000"/>
-                    </a14:imgEffect>
-                  </a14:imgLayer>
-                </a14:imgProps>
-              </a:ext>
-              <a:ext uri="{28A0092B-C50C-407E-A947-70E740481C1C}">
-                <a14:useLocalDpi xmlns:a14="http://schemas.microsoft.com/office/drawing/2010/main" val="0"/>
-              </a:ext>
-            </a:extLst>
-          </a:blip>
-          <a:srcRect l="3269" r="3269"/>
-          <a:stretch>
-            <a:fillRect/>
-          </a:stretch>
-        </p:blipFill>
-        <p:spPr bwMode="auto">
-          <a:prstGeom prst="rect">
-            <a:avLst/>
-          </a:prstGeom>
-          <a:noFill/>
-          <a:extLst>
-            <a:ext uri="{909E8E84-426E-40DD-AFC4-6F175D3DCCD1}">
-              <a14:hiddenFill xmlns:a14="http://schemas.microsoft.com/office/drawing/2010/main">
-                <a:solidFill>
-                  <a:srgbClr val="FFFFFF"/>
-                </a:solidFill>
-              </a14:hiddenFill>
-            </a:ext>
-          </a:extLst>
-        </p:spPr>
-      </p:pic>
       <p:sp>
         <p:nvSpPr>
           <p:cNvPr id="6" name="TextBox 5"/>
@@ -8093,8 +7929,8 @@
         </p:nvSpPr>
         <p:spPr>
           <a:xfrm>
-            <a:off x="509802" y="838616"/>
-            <a:ext cx="14398690" cy="1569660"/>
+            <a:off x="2256483" y="4210935"/>
+            <a:ext cx="18668561" cy="3046988"/>
           </a:xfrm>
           <a:prstGeom prst="rect">
             <a:avLst/>
@@ -8108,18 +7944,10 @@
           <a:lstStyle/>
           <a:p>
             <a:r>
-              <a:rPr lang="en-US" b="1" u="sng" dirty="0">
-                <a:solidFill>
-                  <a:schemeClr val="bg1"/>
-                </a:solidFill>
-              </a:rPr>
+              <a:rPr lang="en-US" sz="9600" b="1" u="sng" dirty="0"/>
               <a:t>Instructor Dashboard for E-Learning Systems using Machine Learning</a:t>
             </a:r>
-            <a:endParaRPr lang="en-US" dirty="0">
-              <a:solidFill>
-                <a:schemeClr val="bg1"/>
-              </a:solidFill>
-            </a:endParaRPr>
+            <a:endParaRPr lang="en-US" sz="9600" dirty="0"/>
           </a:p>
         </p:txBody>
       </p:sp>
@@ -17389,28 +17217,35 @@
       </p:grpSpPr>
       <p:pic>
         <p:nvPicPr>
-          <p:cNvPr id="4" name="Picture 3"/>
+          <p:cNvPr id="2" name="Picture 1">
+            <a:extLst>
+              <a:ext uri="{FF2B5EF4-FFF2-40B4-BE49-F238E27FC236}">
+                <a16:creationId xmlns:a16="http://schemas.microsoft.com/office/drawing/2014/main" id="{2C4660AF-8AF4-9295-5C01-38155A8C06E3}"/>
+              </a:ext>
+            </a:extLst>
+          </p:cNvPr>
           <p:cNvPicPr>
             <a:picLocks noChangeAspect="1"/>
           </p:cNvPicPr>
           <p:nvPr/>
         </p:nvPicPr>
-        <p:blipFill rotWithShape="1">
+        <p:blipFill>
           <a:blip r:embed="rId3"/>
-          <a:srcRect l="23717"/>
-          <a:stretch/>
+          <a:stretch>
+            <a:fillRect/>
+          </a:stretch>
         </p:blipFill>
         <p:spPr>
           <a:xfrm>
-            <a:off x="1576329" y="3994796"/>
-            <a:ext cx="16925643" cy="6970705"/>
+            <a:off x="1553220" y="2883058"/>
+            <a:ext cx="17729518" cy="9352729"/>
           </a:xfrm>
           <a:prstGeom prst="rect">
             <a:avLst/>
           </a:prstGeom>
-          <a:ln>
+          <a:ln w="57150">
             <a:solidFill>
-              <a:schemeClr val="tx1"/>
+              <a:srgbClr val="FF0000"/>
             </a:solidFill>
           </a:ln>
         </p:spPr>
@@ -17466,10 +17301,10 @@
       </p:sp>
       <p:sp>
         <p:nvSpPr>
-          <p:cNvPr id="26" name="Oval 25">
-            <a:extLst>
-              <a:ext uri="{FF2B5EF4-FFF2-40B4-BE49-F238E27FC236}">
-                <a16:creationId xmlns:a16="http://schemas.microsoft.com/office/drawing/2014/main" id="{C320ADDB-D90C-40F4-BBAA-E49F2C3EC68F}"/>
+          <p:cNvPr id="67" name="Oval 66">
+            <a:extLst>
+              <a:ext uri="{FF2B5EF4-FFF2-40B4-BE49-F238E27FC236}">
+                <a16:creationId xmlns:a16="http://schemas.microsoft.com/office/drawing/2014/main" id="{A5C46900-DA7B-451B-B7E1-83652677B22A}"/>
               </a:ext>
             </a:extLst>
           </p:cNvPr>
@@ -17478,56 +17313,7 @@
         </p:nvSpPr>
         <p:spPr>
           <a:xfrm>
-            <a:off x="16658083" y="1612234"/>
-            <a:ext cx="3337416" cy="3337416"/>
-          </a:xfrm>
-          <a:prstGeom prst="ellipse">
-            <a:avLst/>
-          </a:prstGeom>
-          <a:ln>
-            <a:noFill/>
-          </a:ln>
-        </p:spPr>
-        <p:style>
-          <a:lnRef idx="2">
-            <a:schemeClr val="accent1">
-              <a:shade val="50000"/>
-            </a:schemeClr>
-          </a:lnRef>
-          <a:fillRef idx="1">
-            <a:schemeClr val="accent1"/>
-          </a:fillRef>
-          <a:effectRef idx="0">
-            <a:schemeClr val="accent1"/>
-          </a:effectRef>
-          <a:fontRef idx="minor">
-            <a:schemeClr val="lt1"/>
-          </a:fontRef>
-        </p:style>
-        <p:txBody>
-          <a:bodyPr rtlCol="0" anchor="ctr"/>
-          <a:lstStyle/>
-          <a:p>
-            <a:pPr algn="ctr"/>
-            <a:endParaRPr lang="en-PK"/>
-          </a:p>
-        </p:txBody>
-      </p:sp>
-      <p:sp>
-        <p:nvSpPr>
-          <p:cNvPr id="67" name="Oval 66">
-            <a:extLst>
-              <a:ext uri="{FF2B5EF4-FFF2-40B4-BE49-F238E27FC236}">
-                <a16:creationId xmlns:a16="http://schemas.microsoft.com/office/drawing/2014/main" id="{A5C46900-DA7B-451B-B7E1-83652677B22A}"/>
-              </a:ext>
-            </a:extLst>
-          </p:cNvPr>
-          <p:cNvSpPr/>
-          <p:nvPr/>
-        </p:nvSpPr>
-        <p:spPr>
-          <a:xfrm>
-            <a:off x="22718466" y="9340392"/>
+            <a:off x="20762539" y="2960022"/>
             <a:ext cx="3337416" cy="3337416"/>
           </a:xfrm>
           <a:prstGeom prst="ellipse">
@@ -18972,7 +18758,13 @@
       </p:sp>
       <p:pic>
         <p:nvPicPr>
-          <p:cNvPr id="2" name="Picture 1"/>
+          <p:cNvPr id="4" name="Picture 3">
+            <a:extLst>
+              <a:ext uri="{FF2B5EF4-FFF2-40B4-BE49-F238E27FC236}">
+                <a16:creationId xmlns:a16="http://schemas.microsoft.com/office/drawing/2014/main" id="{2C6AEF4E-8ED2-FBF2-6D24-B6A7A1DC6F00}"/>
+              </a:ext>
+            </a:extLst>
+          </p:cNvPr>
           <p:cNvPicPr>
             <a:picLocks noChangeAspect="1"/>
           </p:cNvPicPr>
@@ -18980,23 +18772,17 @@
         </p:nvPicPr>
         <p:blipFill>
           <a:blip r:embed="rId8"/>
-          <a:stretch>
-            <a:fillRect/>
-          </a:stretch>
+          <a:srcRect r="47739"/>
+          <a:stretch/>
         </p:blipFill>
         <p:spPr>
           <a:xfrm>
-            <a:off x="2318375" y="3227493"/>
-            <a:ext cx="11759153" cy="8727121"/>
+            <a:off x="2408752" y="2862595"/>
+            <a:ext cx="9433142" cy="10045928"/>
           </a:xfrm>
           <a:prstGeom prst="rect">
             <a:avLst/>
           </a:prstGeom>
-          <a:ln>
-            <a:solidFill>
-              <a:schemeClr val="tx2"/>
-            </a:solidFill>
-          </a:ln>
         </p:spPr>
       </p:pic>
     </p:spTree>
